--- a/docx4j-wisewe-converter/src/test/java/cn/wisewe/docx4j/convert/builder/slide/2007.pptx
+++ b/docx4j-wisewe-converter/src/test/java/cn/wisewe/docx4j/convert/builder/slide/2007.pptx
@@ -20653,6 +20653,10 @@
           <a:bodyPr/>
           <a:lstStyle/>
           <a:p>
+            <a:r>
+              <a:rPr lang="en-US" altLang="zh-CN"/>
+              <a:t>Hello World</a:t>
+            </a:r>
             <a:endParaRPr lang="zh-CN" altLang="en-US" dirty="0"/>
           </a:p>
         </p:txBody>
